--- a/Day 5/slide/SpringSOAP.pptx
+++ b/Day 5/slide/SpringSOAP.pptx
@@ -9887,7 +9887,7 @@
             </a:pPr>
             <a:r>
               <a:rPr lang="it-IT" dirty="0"/>
-              <a:t>Il file XDL è un documento Expert Definition Language. Oracle Enterprise Manager è uno strumento di gestione del sistema che fornisce una soluzione integrata per la gestione centralizzata del tuo ambiente eterogeneo.</a:t>
+              <a:t>L'acronimo "XSD" significa "XML Schema Definition" ed è un linguaggio utilizzato per definire la struttura dei documenti XML. In pratica, uno schema XSD fornisce una descrizione formale degli elementi, degli attributi e dei tipi di dati presenti in un documento XML.</a:t>
             </a:r>
           </a:p>
           <a:p>
@@ -9902,22 +9902,39 @@
             </a:pPr>
             <a:r>
               <a:rPr lang="it-IT" dirty="0"/>
-              <a:t>In tale file vengono specificate </a:t>
-            </a:r>
-            <a:r>
-              <a:rPr lang="it-IT" dirty="0">
-                <a:effectLst/>
-              </a:rPr>
-              <a:t>le richieste e le risposte per quella risorsa.</a:t>
+              <a:t>Nel contesto di un progetto Spring Boot SOAP, il file -</a:t>
+            </a:r>
+            <a:r>
+              <a:rPr lang="it-IT" dirty="0" err="1"/>
+              <a:t>details.xsd</a:t>
+            </a:r>
+            <a:r>
+              <a:rPr lang="it-IT" dirty="0"/>
+              <a:t> definisce la struttura dei messaggi che il client SOAP e il servizio web SOAP si scambiano durante le operazioni di richiesta e risposta. Ad esempio, lo schema XSD può definire gli elementi del messaggio, i loro tipi di dati, i vincoli di validazione e così via.</a:t>
             </a:r>
           </a:p>
           <a:p>
             <a:pPr marL="114300" indent="0">
               <a:buNone/>
             </a:pPr>
-            <a:endParaRPr lang="it-IT" dirty="0">
-              <a:effectLst/>
-            </a:endParaRPr>
+            <a:endParaRPr lang="it-IT" dirty="0"/>
+          </a:p>
+          <a:p>
+            <a:pPr marL="114300" indent="0">
+              <a:buNone/>
+            </a:pPr>
+            <a:r>
+              <a:rPr lang="it-IT" dirty="0"/>
+              <a:t>In un progetto Spring Boot SOAP, lo schema XSD viene spesso utilizzato insieme a un framework di </a:t>
+            </a:r>
+            <a:r>
+              <a:rPr lang="it-IT" dirty="0" err="1"/>
+              <a:t>binding</a:t>
+            </a:r>
+            <a:r>
+              <a:rPr lang="it-IT" dirty="0"/>
+              <a:t> JAXB (Java Architecture for XML Binding) per generare automaticamente le classi Java che rappresentano i messaggi SOAP definiti nello schema XSD. Questo semplifica notevolmente lo sviluppo del servizio web SOAP e del client SOAP, in quanto consente di lavorare con oggetti Java familiari anziché con dati XML grezzi.</a:t>
+            </a:r>
           </a:p>
           <a:p>
             <a:pPr marL="114300" indent="0">

--- a/Day 5/slide/SpringSOAP.pptx
+++ b/Day 5/slide/SpringSOAP.pptx
@@ -9481,10 +9481,10 @@
       </p:sp>
       <p:pic>
         <p:nvPicPr>
-          <p:cNvPr id="5" name="Immagine 4" descr="Immagine che contiene testo&#10;&#10;Descrizione generata automaticamente">
+          <p:cNvPr id="6" name="Immagine 5" descr="Immagine che contiene testo&#10;&#10;Descrizione generata automaticamente">
             <a:extLst>
               <a:ext uri="{FF2B5EF4-FFF2-40B4-BE49-F238E27FC236}">
-                <a16:creationId xmlns:a16="http://schemas.microsoft.com/office/drawing/2014/main" id="{51981B6D-120D-C3E5-1F06-DBED698C5D7B}"/>
+                <a16:creationId xmlns:a16="http://schemas.microsoft.com/office/drawing/2014/main" id="{FBB66A45-6DF1-B05A-4158-813116A4D7F6}"/>
               </a:ext>
             </a:extLst>
           </p:cNvPr>
@@ -9501,8 +9501,8 @@
         </p:blipFill>
         <p:spPr>
           <a:xfrm>
-            <a:off x="2381250" y="2051050"/>
-            <a:ext cx="4381500" cy="1041400"/>
+            <a:off x="685800" y="2212005"/>
+            <a:ext cx="7772400" cy="1111700"/>
           </a:xfrm>
           <a:prstGeom prst="rect">
             <a:avLst/>
@@ -9662,10 +9662,10 @@
       </p:sp>
       <p:pic>
         <p:nvPicPr>
-          <p:cNvPr id="6" name="Immagine 5" descr="Immagine che contiene testo&#10;&#10;Descrizione generata automaticamente">
+          <p:cNvPr id="5" name="Immagine 4" descr="Immagine che contiene testo&#10;&#10;Descrizione generata automaticamente">
             <a:extLst>
               <a:ext uri="{FF2B5EF4-FFF2-40B4-BE49-F238E27FC236}">
-                <a16:creationId xmlns:a16="http://schemas.microsoft.com/office/drawing/2014/main" id="{A0AF9534-9E8F-1D51-0106-5DC03296BB3E}"/>
+                <a16:creationId xmlns:a16="http://schemas.microsoft.com/office/drawing/2014/main" id="{4FFF9E4A-6D08-79FD-4607-628D2D5B55F1}"/>
               </a:ext>
             </a:extLst>
           </p:cNvPr>
@@ -9682,8 +9682,8 @@
         </p:blipFill>
         <p:spPr>
           <a:xfrm>
-            <a:off x="2381250" y="2088702"/>
-            <a:ext cx="4381500" cy="1663700"/>
+            <a:off x="1327747" y="1777552"/>
+            <a:ext cx="7061200" cy="2286000"/>
           </a:xfrm>
           <a:prstGeom prst="rect">
             <a:avLst/>
@@ -9882,58 +9882,35 @@
           <a:bodyPr/>
           <a:lstStyle/>
           <a:p>
-            <a:pPr marL="114300" indent="0">
-              <a:buNone/>
-            </a:pPr>
             <a:r>
               <a:rPr lang="it-IT" dirty="0"/>
-              <a:t>L'acronimo "XSD" significa "XML Schema Definition" ed è un linguaggio utilizzato per definire la struttura dei documenti XML. In pratica, uno schema XSD fornisce una descrizione formale degli elementi, degli attributi e dei tipi di dati presenti in un documento XML.</a:t>
-            </a:r>
-          </a:p>
-          <a:p>
-            <a:pPr marL="114300" indent="0">
-              <a:buNone/>
-            </a:pPr>
-            <a:endParaRPr lang="it-IT" dirty="0"/>
-          </a:p>
-          <a:p>
-            <a:pPr marL="114300" indent="0">
-              <a:buNone/>
-            </a:pPr>
+              <a:t>Un file XSD (XML Schema Definition) definisce la struttura e le regole di validazione per un documento XML. In un progetto Spring Boot che utilizza SOAP e EJB, un file XSD è utilizzato per definire la struttura e le regole di validazione per i messaggi SOAP che vengono scambiati tra il client e il server.</a:t>
+            </a:r>
+          </a:p>
+          <a:p>
             <a:r>
               <a:rPr lang="it-IT" dirty="0"/>
-              <a:t>Nel contesto di un progetto Spring Boot SOAP, il file -</a:t>
+              <a:t>In particolare, il file XSD può essere utilizzato per definire i tipi di dati utilizzati nei messaggi SOAP, come ad esempio i parametri dei metodi EJB o i dati restituiti dalle operazioni.</a:t>
+            </a:r>
+          </a:p>
+          <a:p>
+            <a:r>
+              <a:rPr lang="it-IT" dirty="0"/>
+              <a:t>Il file XSD viene solitamente incluso nel progetto come una risorsa e viene poi utilizzato per generare codice Java o altri artefatti, come ad esempio le classi JAXB utilizzate per la serializzazione e </a:t>
             </a:r>
             <a:r>
               <a:rPr lang="it-IT" dirty="0" err="1"/>
-              <a:t>details.xsd</a:t>
+              <a:t>deserializzazione</a:t>
             </a:r>
             <a:r>
               <a:rPr lang="it-IT" dirty="0"/>
-              <a:t> definisce la struttura dei messaggi che il client SOAP e il servizio web SOAP si scambiano durante le operazioni di richiesta e risposta. Ad esempio, lo schema XSD può definire gli elementi del messaggio, i loro tipi di dati, i vincoli di validazione e così via.</a:t>
-            </a:r>
-          </a:p>
-          <a:p>
-            <a:pPr marL="114300" indent="0">
-              <a:buNone/>
-            </a:pPr>
-            <a:endParaRPr lang="it-IT" dirty="0"/>
-          </a:p>
-          <a:p>
-            <a:pPr marL="114300" indent="0">
-              <a:buNone/>
-            </a:pPr>
+              <a:t> dei messaggi SOAP.</a:t>
+            </a:r>
+          </a:p>
+          <a:p>
             <a:r>
               <a:rPr lang="it-IT" dirty="0"/>
-              <a:t>In un progetto Spring Boot SOAP, lo schema XSD viene spesso utilizzato insieme a un framework di </a:t>
-            </a:r>
-            <a:r>
-              <a:rPr lang="it-IT" dirty="0" err="1"/>
-              <a:t>binding</a:t>
-            </a:r>
-            <a:r>
-              <a:rPr lang="it-IT" dirty="0"/>
-              <a:t> JAXB (Java Architecture for XML Binding) per generare automaticamente le classi Java che rappresentano i messaggi SOAP definiti nello schema XSD. Questo semplifica notevolmente lo sviluppo del servizio web SOAP e del client SOAP, in quanto consente di lavorare con oggetti Java familiari anziché con dati XML grezzi.</a:t>
+              <a:t>In sintesi, il file XSD è un componente importante nella definizione di un'interfaccia SOAP basata su EJB in un progetto Spring Boot.</a:t>
             </a:r>
           </a:p>
           <a:p>
